--- a/assets/graphics/control.pptx
+++ b/assets/graphics/control.pptx
@@ -243,7 +243,7 @@
           <a:p>
             <a:fld id="{E4CE7606-0018-40C3-8EE1-22B708866B41}" type="datetimeFigureOut">
               <a:rPr lang="en-US" smtClean="0"/>
-              <a:t>3/16/2024</a:t>
+              <a:t>22/04/2024</a:t>
             </a:fld>
             <a:endParaRPr lang="en-US"/>
           </a:p>
@@ -408,7 +408,7 @@
           <a:p>
             <a:fld id="{E4CE7606-0018-40C3-8EE1-22B708866B41}" type="datetimeFigureOut">
               <a:rPr lang="en-US" smtClean="0"/>
-              <a:t>3/16/2024</a:t>
+              <a:t>22/04/2024</a:t>
             </a:fld>
             <a:endParaRPr lang="en-US"/>
           </a:p>
@@ -583,7 +583,7 @@
           <a:p>
             <a:fld id="{E4CE7606-0018-40C3-8EE1-22B708866B41}" type="datetimeFigureOut">
               <a:rPr lang="en-US" smtClean="0"/>
-              <a:t>3/16/2024</a:t>
+              <a:t>22/04/2024</a:t>
             </a:fld>
             <a:endParaRPr lang="en-US"/>
           </a:p>
@@ -748,7 +748,7 @@
           <a:p>
             <a:fld id="{E4CE7606-0018-40C3-8EE1-22B708866B41}" type="datetimeFigureOut">
               <a:rPr lang="en-US" smtClean="0"/>
-              <a:t>3/16/2024</a:t>
+              <a:t>22/04/2024</a:t>
             </a:fld>
             <a:endParaRPr lang="en-US"/>
           </a:p>
@@ -989,7 +989,7 @@
           <a:p>
             <a:fld id="{E4CE7606-0018-40C3-8EE1-22B708866B41}" type="datetimeFigureOut">
               <a:rPr lang="en-US" smtClean="0"/>
-              <a:t>3/16/2024</a:t>
+              <a:t>22/04/2024</a:t>
             </a:fld>
             <a:endParaRPr lang="en-US"/>
           </a:p>
@@ -1216,7 +1216,7 @@
           <a:p>
             <a:fld id="{E4CE7606-0018-40C3-8EE1-22B708866B41}" type="datetimeFigureOut">
               <a:rPr lang="en-US" smtClean="0"/>
-              <a:t>3/16/2024</a:t>
+              <a:t>22/04/2024</a:t>
             </a:fld>
             <a:endParaRPr lang="en-US"/>
           </a:p>
@@ -1578,7 +1578,7 @@
           <a:p>
             <a:fld id="{E4CE7606-0018-40C3-8EE1-22B708866B41}" type="datetimeFigureOut">
               <a:rPr lang="en-US" smtClean="0"/>
-              <a:t>3/16/2024</a:t>
+              <a:t>22/04/2024</a:t>
             </a:fld>
             <a:endParaRPr lang="en-US"/>
           </a:p>
@@ -1691,7 +1691,7 @@
           <a:p>
             <a:fld id="{E4CE7606-0018-40C3-8EE1-22B708866B41}" type="datetimeFigureOut">
               <a:rPr lang="en-US" smtClean="0"/>
-              <a:t>3/16/2024</a:t>
+              <a:t>22/04/2024</a:t>
             </a:fld>
             <a:endParaRPr lang="en-US"/>
           </a:p>
@@ -1781,7 +1781,7 @@
           <a:p>
             <a:fld id="{E4CE7606-0018-40C3-8EE1-22B708866B41}" type="datetimeFigureOut">
               <a:rPr lang="en-US" smtClean="0"/>
-              <a:t>3/16/2024</a:t>
+              <a:t>22/04/2024</a:t>
             </a:fld>
             <a:endParaRPr lang="en-US"/>
           </a:p>
@@ -2053,7 +2053,7 @@
           <a:p>
             <a:fld id="{E4CE7606-0018-40C3-8EE1-22B708866B41}" type="datetimeFigureOut">
               <a:rPr lang="en-US" smtClean="0"/>
-              <a:t>3/16/2024</a:t>
+              <a:t>22/04/2024</a:t>
             </a:fld>
             <a:endParaRPr lang="en-US"/>
           </a:p>
@@ -2301,7 +2301,7 @@
           <a:p>
             <a:fld id="{E4CE7606-0018-40C3-8EE1-22B708866B41}" type="datetimeFigureOut">
               <a:rPr lang="en-US" smtClean="0"/>
-              <a:t>3/16/2024</a:t>
+              <a:t>22/04/2024</a:t>
             </a:fld>
             <a:endParaRPr lang="en-US"/>
           </a:p>
@@ -2509,7 +2509,7 @@
           <a:p>
             <a:fld id="{E4CE7606-0018-40C3-8EE1-22B708866B41}" type="datetimeFigureOut">
               <a:rPr lang="en-US" smtClean="0"/>
-              <a:t>3/16/2024</a:t>
+              <a:t>22/04/2024</a:t>
             </a:fld>
             <a:endParaRPr lang="en-US"/>
           </a:p>
@@ -2934,588 +2934,1109 @@
           </a:prstGeom>
         </p:spPr>
       </p:pic>
-      <p:sp>
-        <p:nvSpPr>
-          <p:cNvPr id="14" name="TextBox 13"/>
-          <p:cNvSpPr txBox="1"/>
+      <p:grpSp>
+        <p:nvGrpSpPr>
+          <p:cNvPr id="8" name="Group 7"/>
+          <p:cNvGrpSpPr/>
           <p:nvPr/>
-        </p:nvSpPr>
-        <p:spPr>
+        </p:nvGrpSpPr>
+        <p:grpSpPr>
           <a:xfrm>
-            <a:off x="2013441" y="571502"/>
-            <a:ext cx="492367" cy="523220"/>
+            <a:off x="1662585" y="643498"/>
+            <a:ext cx="1418485" cy="5529368"/>
+            <a:chOff x="855782" y="643498"/>
+            <a:chExt cx="1418485" cy="5529368"/>
           </a:xfrm>
-          <a:prstGeom prst="rect">
-            <a:avLst/>
-          </a:prstGeom>
-          <a:noFill/>
-          <a:ln w="57150">
-            <a:solidFill>
-              <a:schemeClr val="bg1"/>
-            </a:solidFill>
-          </a:ln>
-        </p:spPr>
-        <p:txBody>
-          <a:bodyPr wrap="square" rtlCol="0">
-            <a:spAutoFit/>
-          </a:bodyPr>
-          <a:lstStyle/>
-          <a:p>
-            <a:pPr algn="ctr"/>
-            <a:r>
-              <a:rPr lang="en-US" sz="2800" b="1" dirty="0" smtClean="0">
+        </p:grpSpPr>
+        <p:grpSp>
+          <p:nvGrpSpPr>
+            <p:cNvPr id="7" name="Group 6"/>
+            <p:cNvGrpSpPr/>
+            <p:nvPr/>
+          </p:nvGrpSpPr>
+          <p:grpSpPr>
+            <a:xfrm>
+              <a:off x="1096836" y="1654068"/>
+              <a:ext cx="918794" cy="4518798"/>
+              <a:chOff x="1167174" y="2115733"/>
+              <a:chExt cx="918794" cy="4518798"/>
+            </a:xfrm>
+          </p:grpSpPr>
+          <p:sp>
+            <p:nvSpPr>
+              <p:cNvPr id="14" name="TextBox 13"/>
+              <p:cNvSpPr txBox="1"/>
+              <p:nvPr/>
+            </p:nvSpPr>
+            <p:spPr>
+              <a:xfrm>
+                <a:off x="1433140" y="2115733"/>
+                <a:ext cx="386859" cy="400110"/>
+              </a:xfrm>
+              <a:prstGeom prst="rect">
+                <a:avLst/>
+              </a:prstGeom>
+              <a:noFill/>
+              <a:ln w="57150">
                 <a:solidFill>
                   <a:schemeClr val="bg1"/>
                 </a:solidFill>
-              </a:rPr>
-              <a:t>W</a:t>
-            </a:r>
-            <a:endParaRPr lang="en-US" sz="2800" b="1" dirty="0">
-              <a:solidFill>
-                <a:schemeClr val="bg1"/>
-              </a:solidFill>
-            </a:endParaRPr>
-          </a:p>
-        </p:txBody>
-      </p:sp>
-      <p:sp>
-        <p:nvSpPr>
-          <p:cNvPr id="15" name="TextBox 14"/>
-          <p:cNvSpPr txBox="1"/>
-          <p:nvPr/>
-        </p:nvSpPr>
-        <p:spPr>
-          <a:xfrm>
-            <a:off x="2013436" y="1457434"/>
-            <a:ext cx="492367" cy="523220"/>
-          </a:xfrm>
-          <a:prstGeom prst="rect">
-            <a:avLst/>
-          </a:prstGeom>
-          <a:noFill/>
-          <a:ln w="57150">
-            <a:solidFill>
-              <a:schemeClr val="bg1"/>
-            </a:solidFill>
-          </a:ln>
-        </p:spPr>
-        <p:txBody>
-          <a:bodyPr wrap="square" rtlCol="0">
-            <a:spAutoFit/>
-          </a:bodyPr>
-          <a:lstStyle/>
-          <a:p>
-            <a:pPr algn="ctr"/>
-            <a:r>
-              <a:rPr lang="en-US" sz="2800" b="1" dirty="0" smtClean="0">
+              </a:ln>
+            </p:spPr>
+            <p:txBody>
+              <a:bodyPr wrap="square" rtlCol="0">
+                <a:spAutoFit/>
+              </a:bodyPr>
+              <a:lstStyle/>
+              <a:p>
+                <a:pPr algn="ctr"/>
+                <a:r>
+                  <a:rPr lang="en-US" sz="2000" b="1" dirty="0" smtClean="0">
+                    <a:solidFill>
+                      <a:schemeClr val="bg1"/>
+                    </a:solidFill>
+                  </a:rPr>
+                  <a:t>W</a:t>
+                </a:r>
+                <a:endParaRPr lang="en-US" sz="2000" b="1" dirty="0">
+                  <a:solidFill>
+                    <a:schemeClr val="bg1"/>
+                  </a:solidFill>
+                </a:endParaRPr>
+              </a:p>
+            </p:txBody>
+          </p:sp>
+          <p:sp>
+            <p:nvSpPr>
+              <p:cNvPr id="15" name="TextBox 14"/>
+              <p:cNvSpPr txBox="1"/>
+              <p:nvPr/>
+            </p:nvSpPr>
+            <p:spPr>
+              <a:xfrm>
+                <a:off x="1433140" y="2803138"/>
+                <a:ext cx="386859" cy="400110"/>
+              </a:xfrm>
+              <a:prstGeom prst="rect">
+                <a:avLst/>
+              </a:prstGeom>
+              <a:noFill/>
+              <a:ln w="57150">
                 <a:solidFill>
                   <a:schemeClr val="bg1"/>
                 </a:solidFill>
-              </a:rPr>
-              <a:t>S</a:t>
-            </a:r>
-            <a:endParaRPr lang="en-US" sz="2800" b="1" dirty="0">
-              <a:solidFill>
-                <a:schemeClr val="bg1"/>
-              </a:solidFill>
-            </a:endParaRPr>
-          </a:p>
-        </p:txBody>
-      </p:sp>
-      <p:sp>
-        <p:nvSpPr>
-          <p:cNvPr id="16" name="TextBox 15"/>
-          <p:cNvSpPr txBox="1"/>
-          <p:nvPr/>
-        </p:nvSpPr>
-        <p:spPr>
-          <a:xfrm>
-            <a:off x="2013436" y="2347219"/>
-            <a:ext cx="492367" cy="523220"/>
-          </a:xfrm>
-          <a:prstGeom prst="rect">
-            <a:avLst/>
-          </a:prstGeom>
-          <a:noFill/>
-          <a:ln w="57150">
-            <a:solidFill>
-              <a:schemeClr val="bg1"/>
-            </a:solidFill>
-          </a:ln>
-        </p:spPr>
-        <p:txBody>
-          <a:bodyPr wrap="square" rtlCol="0">
-            <a:spAutoFit/>
-          </a:bodyPr>
-          <a:lstStyle/>
-          <a:p>
-            <a:pPr algn="ctr"/>
-            <a:r>
-              <a:rPr lang="en-US" sz="2800" b="1" dirty="0">
+              </a:ln>
+            </p:spPr>
+            <p:txBody>
+              <a:bodyPr wrap="square" rtlCol="0">
+                <a:spAutoFit/>
+              </a:bodyPr>
+              <a:lstStyle/>
+              <a:p>
+                <a:pPr algn="ctr"/>
+                <a:r>
+                  <a:rPr lang="en-US" sz="2000" b="1" dirty="0" smtClean="0">
+                    <a:solidFill>
+                      <a:schemeClr val="bg1"/>
+                    </a:solidFill>
+                  </a:rPr>
+                  <a:t>S</a:t>
+                </a:r>
+                <a:endParaRPr lang="en-US" sz="2000" b="1" dirty="0">
+                  <a:solidFill>
+                    <a:schemeClr val="bg1"/>
+                  </a:solidFill>
+                </a:endParaRPr>
+              </a:p>
+            </p:txBody>
+          </p:sp>
+          <p:sp>
+            <p:nvSpPr>
+              <p:cNvPr id="16" name="TextBox 15"/>
+              <p:cNvSpPr txBox="1"/>
+              <p:nvPr/>
+            </p:nvSpPr>
+            <p:spPr>
+              <a:xfrm>
+                <a:off x="1433141" y="3490543"/>
+                <a:ext cx="386859" cy="400110"/>
+              </a:xfrm>
+              <a:prstGeom prst="rect">
+                <a:avLst/>
+              </a:prstGeom>
+              <a:noFill/>
+              <a:ln w="57150">
                 <a:solidFill>
                   <a:schemeClr val="bg1"/>
                 </a:solidFill>
-              </a:rPr>
-              <a:t>A</a:t>
-            </a:r>
-          </a:p>
-        </p:txBody>
-      </p:sp>
-      <p:sp>
-        <p:nvSpPr>
-          <p:cNvPr id="17" name="TextBox 16"/>
-          <p:cNvSpPr txBox="1"/>
-          <p:nvPr/>
-        </p:nvSpPr>
-        <p:spPr>
-          <a:xfrm>
-            <a:off x="2013436" y="3237004"/>
-            <a:ext cx="492367" cy="523220"/>
-          </a:xfrm>
-          <a:prstGeom prst="rect">
-            <a:avLst/>
-          </a:prstGeom>
-          <a:noFill/>
-          <a:ln w="57150">
-            <a:solidFill>
-              <a:schemeClr val="bg1"/>
-            </a:solidFill>
-          </a:ln>
-        </p:spPr>
-        <p:txBody>
-          <a:bodyPr wrap="square" rtlCol="0">
-            <a:spAutoFit/>
-          </a:bodyPr>
-          <a:lstStyle/>
-          <a:p>
-            <a:pPr algn="ctr"/>
-            <a:r>
-              <a:rPr lang="en-US" sz="2800" b="1" dirty="0">
+              </a:ln>
+            </p:spPr>
+            <p:txBody>
+              <a:bodyPr wrap="square" rtlCol="0">
+                <a:spAutoFit/>
+              </a:bodyPr>
+              <a:lstStyle/>
+              <a:p>
+                <a:pPr algn="ctr"/>
+                <a:r>
+                  <a:rPr lang="en-US" sz="2000" b="1" dirty="0">
+                    <a:solidFill>
+                      <a:schemeClr val="bg1"/>
+                    </a:solidFill>
+                  </a:rPr>
+                  <a:t>A</a:t>
+                </a:r>
+              </a:p>
+            </p:txBody>
+          </p:sp>
+          <p:sp>
+            <p:nvSpPr>
+              <p:cNvPr id="17" name="TextBox 16"/>
+              <p:cNvSpPr txBox="1"/>
+              <p:nvPr/>
+            </p:nvSpPr>
+            <p:spPr>
+              <a:xfrm>
+                <a:off x="1433141" y="4177948"/>
+                <a:ext cx="386859" cy="400110"/>
+              </a:xfrm>
+              <a:prstGeom prst="rect">
+                <a:avLst/>
+              </a:prstGeom>
+              <a:noFill/>
+              <a:ln w="57150">
                 <a:solidFill>
                   <a:schemeClr val="bg1"/>
                 </a:solidFill>
-              </a:rPr>
-              <a:t>D</a:t>
-            </a:r>
-          </a:p>
-        </p:txBody>
-      </p:sp>
-      <p:sp>
-        <p:nvSpPr>
-          <p:cNvPr id="18" name="TextBox 17"/>
-          <p:cNvSpPr txBox="1"/>
-          <p:nvPr/>
-        </p:nvSpPr>
-        <p:spPr>
-          <a:xfrm>
-            <a:off x="2022228" y="4126789"/>
-            <a:ext cx="492367" cy="523220"/>
-          </a:xfrm>
-          <a:prstGeom prst="rect">
-            <a:avLst/>
-          </a:prstGeom>
-          <a:noFill/>
-          <a:ln w="57150">
-            <a:solidFill>
-              <a:schemeClr val="bg1"/>
-            </a:solidFill>
-          </a:ln>
-        </p:spPr>
-        <p:txBody>
-          <a:bodyPr wrap="square" rtlCol="0">
-            <a:spAutoFit/>
-          </a:bodyPr>
-          <a:lstStyle/>
-          <a:p>
-            <a:pPr algn="ctr"/>
-            <a:r>
-              <a:rPr lang="en-US" sz="2800" b="1" dirty="0">
+              </a:ln>
+            </p:spPr>
+            <p:txBody>
+              <a:bodyPr wrap="square" rtlCol="0">
+                <a:spAutoFit/>
+              </a:bodyPr>
+              <a:lstStyle/>
+              <a:p>
+                <a:pPr algn="ctr"/>
+                <a:r>
+                  <a:rPr lang="en-US" sz="2000" b="1" dirty="0">
+                    <a:solidFill>
+                      <a:schemeClr val="bg1"/>
+                    </a:solidFill>
+                  </a:rPr>
+                  <a:t>D</a:t>
+                </a:r>
+              </a:p>
+            </p:txBody>
+          </p:sp>
+          <p:sp>
+            <p:nvSpPr>
+              <p:cNvPr id="18" name="TextBox 17"/>
+              <p:cNvSpPr txBox="1"/>
+              <p:nvPr/>
+            </p:nvSpPr>
+            <p:spPr>
+              <a:xfrm>
+                <a:off x="1441934" y="4865353"/>
+                <a:ext cx="386859" cy="400110"/>
+              </a:xfrm>
+              <a:prstGeom prst="rect">
+                <a:avLst/>
+              </a:prstGeom>
+              <a:noFill/>
+              <a:ln w="57150">
                 <a:solidFill>
                   <a:schemeClr val="bg1"/>
                 </a:solidFill>
-              </a:rPr>
-              <a:t>Q</a:t>
-            </a:r>
-          </a:p>
-        </p:txBody>
-      </p:sp>
-      <p:sp>
-        <p:nvSpPr>
-          <p:cNvPr id="19" name="TextBox 18"/>
-          <p:cNvSpPr txBox="1"/>
-          <p:nvPr/>
-        </p:nvSpPr>
-        <p:spPr>
-          <a:xfrm>
-            <a:off x="1683087" y="5906801"/>
-            <a:ext cx="1169377" cy="523220"/>
-          </a:xfrm>
-          <a:prstGeom prst="rect">
-            <a:avLst/>
-          </a:prstGeom>
-          <a:noFill/>
-          <a:ln w="57150">
-            <a:solidFill>
-              <a:schemeClr val="bg1"/>
-            </a:solidFill>
-          </a:ln>
-        </p:spPr>
-        <p:txBody>
-          <a:bodyPr wrap="square" rtlCol="0">
-            <a:spAutoFit/>
-          </a:bodyPr>
-          <a:lstStyle/>
-          <a:p>
-            <a:pPr algn="ctr"/>
-            <a:r>
-              <a:rPr lang="en-US" sz="2800" b="1" dirty="0" smtClean="0">
+              </a:ln>
+            </p:spPr>
+            <p:txBody>
+              <a:bodyPr wrap="square" rtlCol="0">
+                <a:spAutoFit/>
+              </a:bodyPr>
+              <a:lstStyle/>
+              <a:p>
+                <a:pPr algn="ctr"/>
+                <a:r>
+                  <a:rPr lang="en-US" sz="2000" b="1" dirty="0">
+                    <a:solidFill>
+                      <a:schemeClr val="bg1"/>
+                    </a:solidFill>
+                  </a:rPr>
+                  <a:t>Q</a:t>
+                </a:r>
+              </a:p>
+            </p:txBody>
+          </p:sp>
+          <p:sp>
+            <p:nvSpPr>
+              <p:cNvPr id="19" name="TextBox 18"/>
+              <p:cNvSpPr txBox="1"/>
+              <p:nvPr/>
+            </p:nvSpPr>
+            <p:spPr>
+              <a:xfrm>
+                <a:off x="1167174" y="6234421"/>
+                <a:ext cx="918794" cy="400110"/>
+              </a:xfrm>
+              <a:prstGeom prst="rect">
+                <a:avLst/>
+              </a:prstGeom>
+              <a:noFill/>
+              <a:ln w="57150">
                 <a:solidFill>
                   <a:schemeClr val="bg1"/>
                 </a:solidFill>
-              </a:rPr>
-              <a:t>SPACE</a:t>
-            </a:r>
-            <a:endParaRPr lang="en-US" sz="2800" b="1" dirty="0">
-              <a:solidFill>
-                <a:schemeClr val="bg1"/>
-              </a:solidFill>
-            </a:endParaRPr>
-          </a:p>
-        </p:txBody>
-      </p:sp>
-      <p:sp>
-        <p:nvSpPr>
-          <p:cNvPr id="20" name="TextBox 19"/>
-          <p:cNvSpPr txBox="1"/>
-          <p:nvPr/>
-        </p:nvSpPr>
-        <p:spPr>
-          <a:xfrm>
-            <a:off x="8091856" y="571502"/>
-            <a:ext cx="2151182" cy="523220"/>
-          </a:xfrm>
-          <a:prstGeom prst="rect">
-            <a:avLst/>
-          </a:prstGeom>
-          <a:noFill/>
-          <a:ln w="57150">
-            <a:noFill/>
-          </a:ln>
-        </p:spPr>
-        <p:txBody>
-          <a:bodyPr wrap="square" rtlCol="0">
-            <a:spAutoFit/>
-          </a:bodyPr>
-          <a:lstStyle/>
-          <a:p>
-            <a:pPr algn="ctr"/>
-            <a:r>
-              <a:rPr lang="en-US" sz="2800" b="1" dirty="0" smtClean="0">
+              </a:ln>
+            </p:spPr>
+            <p:txBody>
+              <a:bodyPr wrap="square" rtlCol="0">
+                <a:spAutoFit/>
+              </a:bodyPr>
+              <a:lstStyle/>
+              <a:p>
+                <a:pPr algn="ctr"/>
+                <a:r>
+                  <a:rPr lang="en-US" sz="2000" b="1" dirty="0" smtClean="0">
+                    <a:solidFill>
+                      <a:schemeClr val="bg1"/>
+                    </a:solidFill>
+                  </a:rPr>
+                  <a:t>SPACE</a:t>
+                </a:r>
+                <a:endParaRPr lang="en-US" sz="2000" b="1" dirty="0">
+                  <a:solidFill>
+                    <a:schemeClr val="bg1"/>
+                  </a:solidFill>
+                </a:endParaRPr>
+              </a:p>
+            </p:txBody>
+          </p:sp>
+          <p:sp>
+            <p:nvSpPr>
+              <p:cNvPr id="2" name="TextBox 17"/>
+              <p:cNvSpPr txBox="1"/>
+              <p:nvPr/>
+            </p:nvSpPr>
+            <p:spPr>
+              <a:xfrm>
+                <a:off x="1441934" y="5552758"/>
+                <a:ext cx="386859" cy="400110"/>
+              </a:xfrm>
+              <a:prstGeom prst="rect">
+                <a:avLst/>
+              </a:prstGeom>
+              <a:noFill/>
+              <a:ln w="57150">
                 <a:solidFill>
                   <a:schemeClr val="bg1"/>
                 </a:solidFill>
-              </a:rPr>
-              <a:t>MOVE UP</a:t>
-            </a:r>
-            <a:endParaRPr lang="en-US" sz="2800" b="1" dirty="0">
-              <a:solidFill>
-                <a:schemeClr val="bg1"/>
-              </a:solidFill>
-            </a:endParaRPr>
-          </a:p>
-        </p:txBody>
-      </p:sp>
-      <p:sp>
-        <p:nvSpPr>
-          <p:cNvPr id="21" name="TextBox 20"/>
-          <p:cNvSpPr txBox="1"/>
-          <p:nvPr/>
-        </p:nvSpPr>
-        <p:spPr>
-          <a:xfrm>
-            <a:off x="7936706" y="4126789"/>
-            <a:ext cx="2542076" cy="523220"/>
-          </a:xfrm>
-          <a:prstGeom prst="rect">
-            <a:avLst/>
-          </a:prstGeom>
-          <a:noFill/>
-          <a:ln w="57150">
+              </a:ln>
+            </p:spPr>
+            <p:txBody>
+              <a:bodyPr wrap="square" rtlCol="0">
+                <a:spAutoFit/>
+              </a:bodyPr>
+              <a:lstStyle/>
+              <a:p>
+                <a:pPr algn="ctr"/>
+                <a:r>
+                  <a:rPr lang="en-US" sz="2000" b="1" dirty="0">
+                    <a:solidFill>
+                      <a:schemeClr val="bg1"/>
+                    </a:solidFill>
+                  </a:rPr>
+                  <a:t>R</a:t>
+                </a:r>
+              </a:p>
+            </p:txBody>
+          </p:sp>
+        </p:grpSp>
+        <p:sp>
+          <p:nvSpPr>
+            <p:cNvPr id="31" name="TextBox 30"/>
+            <p:cNvSpPr txBox="1"/>
+            <p:nvPr/>
+          </p:nvSpPr>
+          <p:spPr>
+            <a:xfrm>
+              <a:off x="855782" y="643498"/>
+              <a:ext cx="1418485" cy="523220"/>
+            </a:xfrm>
+            <a:prstGeom prst="rect">
+              <a:avLst/>
+            </a:prstGeom>
             <a:noFill/>
-          </a:ln>
-        </p:spPr>
-        <p:txBody>
-          <a:bodyPr wrap="square" rtlCol="0">
-            <a:spAutoFit/>
-          </a:bodyPr>
-          <a:lstStyle/>
-          <a:p>
-            <a:pPr algn="ctr"/>
-            <a:r>
-              <a:rPr lang="en-US" sz="2800" b="1" dirty="0" smtClean="0">
+            <a:ln w="57150">
+              <a:noFill/>
+            </a:ln>
+          </p:spPr>
+          <p:txBody>
+            <a:bodyPr wrap="square" rtlCol="0">
+              <a:spAutoFit/>
+            </a:bodyPr>
+            <a:lstStyle/>
+            <a:p>
+              <a:pPr algn="ctr"/>
+              <a:r>
+                <a:rPr lang="en-US" sz="2800" b="1" smtClean="0">
+                  <a:solidFill>
+                    <a:schemeClr val="bg1"/>
+                  </a:solidFill>
+                </a:rPr>
+                <a:t>Player 1</a:t>
+              </a:r>
+              <a:endParaRPr lang="en-US" sz="2800" b="1" dirty="0">
                 <a:solidFill>
                   <a:schemeClr val="bg1"/>
                 </a:solidFill>
-              </a:rPr>
-              <a:t>SWAP WEAPON</a:t>
-            </a:r>
-            <a:endParaRPr lang="en-US" sz="2800" b="1" dirty="0">
-              <a:solidFill>
-                <a:schemeClr val="bg1"/>
-              </a:solidFill>
-            </a:endParaRPr>
-          </a:p>
-        </p:txBody>
-      </p:sp>
-      <p:sp>
-        <p:nvSpPr>
-          <p:cNvPr id="22" name="TextBox 21"/>
-          <p:cNvSpPr txBox="1"/>
+              </a:endParaRPr>
+            </a:p>
+          </p:txBody>
+        </p:sp>
+      </p:grpSp>
+      <p:grpSp>
+        <p:nvGrpSpPr>
+          <p:cNvPr id="32" name="Group 31"/>
+          <p:cNvGrpSpPr/>
           <p:nvPr/>
-        </p:nvSpPr>
-        <p:spPr>
+        </p:nvGrpSpPr>
+        <p:grpSpPr>
           <a:xfrm>
-            <a:off x="8051557" y="1457434"/>
-            <a:ext cx="2231779" cy="523220"/>
+            <a:off x="4319952" y="643498"/>
+            <a:ext cx="1418485" cy="5529368"/>
+            <a:chOff x="855782" y="643498"/>
+            <a:chExt cx="1418485" cy="5529368"/>
           </a:xfrm>
-          <a:prstGeom prst="rect">
-            <a:avLst/>
-          </a:prstGeom>
-          <a:noFill/>
-          <a:ln w="57150">
-            <a:noFill/>
-          </a:ln>
-        </p:spPr>
-        <p:txBody>
-          <a:bodyPr wrap="square" rtlCol="0">
-            <a:spAutoFit/>
-          </a:bodyPr>
-          <a:lstStyle/>
-          <a:p>
-            <a:pPr algn="ctr"/>
-            <a:r>
-              <a:rPr lang="en-US" sz="2800" b="1" dirty="0" smtClean="0">
+        </p:grpSpPr>
+        <p:grpSp>
+          <p:nvGrpSpPr>
+            <p:cNvPr id="33" name="Group 32"/>
+            <p:cNvGrpSpPr/>
+            <p:nvPr/>
+          </p:nvGrpSpPr>
+          <p:grpSpPr>
+            <a:xfrm>
+              <a:off x="1096836" y="1654068"/>
+              <a:ext cx="918795" cy="4518798"/>
+              <a:chOff x="1167174" y="2115733"/>
+              <a:chExt cx="918795" cy="4518798"/>
+            </a:xfrm>
+          </p:grpSpPr>
+          <p:sp>
+            <p:nvSpPr>
+              <p:cNvPr id="35" name="TextBox 34"/>
+              <p:cNvSpPr txBox="1"/>
+              <p:nvPr/>
+            </p:nvSpPr>
+            <p:spPr>
+              <a:xfrm>
+                <a:off x="1433140" y="2115733"/>
+                <a:ext cx="386859" cy="400110"/>
+              </a:xfrm>
+              <a:prstGeom prst="rect">
+                <a:avLst/>
+              </a:prstGeom>
+              <a:noFill/>
+              <a:ln w="57150">
                 <a:solidFill>
                   <a:schemeClr val="bg1"/>
                 </a:solidFill>
-              </a:rPr>
-              <a:t>MOVE DOWN</a:t>
-            </a:r>
-            <a:endParaRPr lang="en-US" sz="2800" b="1" dirty="0">
-              <a:solidFill>
-                <a:schemeClr val="bg1"/>
-              </a:solidFill>
-            </a:endParaRPr>
-          </a:p>
-        </p:txBody>
-      </p:sp>
-      <p:sp>
-        <p:nvSpPr>
-          <p:cNvPr id="23" name="TextBox 22"/>
-          <p:cNvSpPr txBox="1"/>
-          <p:nvPr/>
-        </p:nvSpPr>
-        <p:spPr>
-          <a:xfrm>
-            <a:off x="8091855" y="3240857"/>
-            <a:ext cx="2231779" cy="523220"/>
-          </a:xfrm>
-          <a:prstGeom prst="rect">
-            <a:avLst/>
-          </a:prstGeom>
-          <a:noFill/>
-          <a:ln w="57150">
-            <a:noFill/>
-          </a:ln>
-        </p:spPr>
-        <p:txBody>
-          <a:bodyPr wrap="square" rtlCol="0">
-            <a:spAutoFit/>
-          </a:bodyPr>
-          <a:lstStyle/>
-          <a:p>
-            <a:pPr algn="ctr"/>
-            <a:r>
-              <a:rPr lang="en-US" sz="2800" b="1" dirty="0" smtClean="0">
+              </a:ln>
+            </p:spPr>
+            <p:txBody>
+              <a:bodyPr wrap="square" rtlCol="0">
+                <a:spAutoFit/>
+              </a:bodyPr>
+              <a:lstStyle/>
+              <a:p>
+                <a:pPr algn="ctr"/>
+                <a:r>
+                  <a:rPr lang="en-US" sz="2000" b="1" smtClean="0">
+                    <a:solidFill>
+                      <a:schemeClr val="bg1"/>
+                    </a:solidFill>
+                    <a:latin typeface="Calibri" panose="020F0502020204030204" pitchFamily="34" charset="0"/>
+                    <a:ea typeface="Calibri" panose="020F0502020204030204" pitchFamily="34" charset="0"/>
+                    <a:cs typeface="Calibri" panose="020F0502020204030204" pitchFamily="34" charset="0"/>
+                  </a:rPr>
+                  <a:t>↑</a:t>
+                </a:r>
+                <a:endParaRPr lang="en-US" sz="2000" b="1" dirty="0">
+                  <a:solidFill>
+                    <a:schemeClr val="bg1"/>
+                  </a:solidFill>
+                </a:endParaRPr>
+              </a:p>
+            </p:txBody>
+          </p:sp>
+          <p:sp>
+            <p:nvSpPr>
+              <p:cNvPr id="36" name="TextBox 35"/>
+              <p:cNvSpPr txBox="1"/>
+              <p:nvPr/>
+            </p:nvSpPr>
+            <p:spPr>
+              <a:xfrm>
+                <a:off x="1433140" y="2803138"/>
+                <a:ext cx="386859" cy="400110"/>
+              </a:xfrm>
+              <a:prstGeom prst="rect">
+                <a:avLst/>
+              </a:prstGeom>
+              <a:noFill/>
+              <a:ln w="57150">
                 <a:solidFill>
                   <a:schemeClr val="bg1"/>
                 </a:solidFill>
-              </a:rPr>
-              <a:t>MOVE RIGHT</a:t>
-            </a:r>
-            <a:endParaRPr lang="en-US" sz="2800" b="1" dirty="0">
-              <a:solidFill>
-                <a:schemeClr val="bg1"/>
-              </a:solidFill>
-            </a:endParaRPr>
-          </a:p>
-        </p:txBody>
-      </p:sp>
-      <p:sp>
-        <p:nvSpPr>
-          <p:cNvPr id="24" name="TextBox 23"/>
-          <p:cNvSpPr txBox="1"/>
-          <p:nvPr/>
-        </p:nvSpPr>
-        <p:spPr>
-          <a:xfrm>
-            <a:off x="8091856" y="2351072"/>
-            <a:ext cx="2231779" cy="523220"/>
-          </a:xfrm>
-          <a:prstGeom prst="rect">
-            <a:avLst/>
-          </a:prstGeom>
-          <a:noFill/>
-          <a:ln w="57150">
-            <a:noFill/>
-          </a:ln>
-        </p:spPr>
-        <p:txBody>
-          <a:bodyPr wrap="square" rtlCol="0">
-            <a:spAutoFit/>
-          </a:bodyPr>
-          <a:lstStyle/>
-          <a:p>
-            <a:pPr algn="ctr"/>
-            <a:r>
-              <a:rPr lang="en-US" sz="2800" b="1" dirty="0" smtClean="0">
+              </a:ln>
+            </p:spPr>
+            <p:txBody>
+              <a:bodyPr wrap="square" rtlCol="0">
+                <a:spAutoFit/>
+              </a:bodyPr>
+              <a:lstStyle/>
+              <a:p>
+                <a:pPr algn="ctr"/>
+                <a:r>
+                  <a:rPr lang="en-US" sz="2000" b="1" dirty="0">
+                    <a:solidFill>
+                      <a:schemeClr val="bg1"/>
+                    </a:solidFill>
+                    <a:latin typeface="Calibri" panose="020F0502020204030204" pitchFamily="34" charset="0"/>
+                    <a:ea typeface="Calibri" panose="020F0502020204030204" pitchFamily="34" charset="0"/>
+                    <a:cs typeface="Calibri" panose="020F0502020204030204" pitchFamily="34" charset="0"/>
+                  </a:rPr>
+                  <a:t>↓</a:t>
+                </a:r>
+                <a:endParaRPr lang="en-US" sz="2000" b="1" dirty="0">
+                  <a:solidFill>
+                    <a:schemeClr val="bg1"/>
+                  </a:solidFill>
+                </a:endParaRPr>
+              </a:p>
+            </p:txBody>
+          </p:sp>
+          <p:sp>
+            <p:nvSpPr>
+              <p:cNvPr id="37" name="TextBox 36"/>
+              <p:cNvSpPr txBox="1"/>
+              <p:nvPr/>
+            </p:nvSpPr>
+            <p:spPr>
+              <a:xfrm>
+                <a:off x="1433141" y="3490543"/>
+                <a:ext cx="386859" cy="400110"/>
+              </a:xfrm>
+              <a:prstGeom prst="rect">
+                <a:avLst/>
+              </a:prstGeom>
+              <a:noFill/>
+              <a:ln w="57150">
                 <a:solidFill>
                   <a:schemeClr val="bg1"/>
                 </a:solidFill>
-              </a:rPr>
-              <a:t>MOVE LEFT</a:t>
-            </a:r>
-            <a:endParaRPr lang="en-US" sz="2800" b="1" dirty="0">
-              <a:solidFill>
-                <a:schemeClr val="bg1"/>
-              </a:solidFill>
-            </a:endParaRPr>
-          </a:p>
-        </p:txBody>
-      </p:sp>
-      <p:sp>
-        <p:nvSpPr>
-          <p:cNvPr id="25" name="TextBox 24"/>
-          <p:cNvSpPr txBox="1"/>
-          <p:nvPr/>
-        </p:nvSpPr>
-        <p:spPr>
-          <a:xfrm>
-            <a:off x="8091855" y="5024796"/>
-            <a:ext cx="2231779" cy="521970"/>
-          </a:xfrm>
-          <a:prstGeom prst="rect">
-            <a:avLst/>
-          </a:prstGeom>
-          <a:noFill/>
-          <a:ln w="57150">
-            <a:noFill/>
-          </a:ln>
-        </p:spPr>
-        <p:txBody>
-          <a:bodyPr wrap="square" rtlCol="0">
-            <a:spAutoFit/>
-          </a:bodyPr>
-          <a:lstStyle/>
-          <a:p>
-            <a:pPr algn="ctr"/>
-            <a:r>
-              <a:rPr lang="en-US" sz="2800" b="1" dirty="0" smtClean="0">
+              </a:ln>
+            </p:spPr>
+            <p:txBody>
+              <a:bodyPr wrap="square" rtlCol="0">
+                <a:spAutoFit/>
+              </a:bodyPr>
+              <a:lstStyle/>
+              <a:p>
+                <a:pPr algn="ctr"/>
+                <a:r>
+                  <a:rPr lang="en-US" sz="2000" b="1" dirty="0">
+                    <a:solidFill>
+                      <a:schemeClr val="bg1"/>
+                    </a:solidFill>
+                    <a:latin typeface="Calibri" panose="020F0502020204030204" pitchFamily="34" charset="0"/>
+                    <a:ea typeface="Calibri" panose="020F0502020204030204" pitchFamily="34" charset="0"/>
+                    <a:cs typeface="Calibri" panose="020F0502020204030204" pitchFamily="34" charset="0"/>
+                  </a:rPr>
+                  <a:t>←</a:t>
+                </a:r>
+                <a:endParaRPr lang="en-US" sz="2000" b="1" dirty="0">
+                  <a:solidFill>
+                    <a:schemeClr val="bg1"/>
+                  </a:solidFill>
+                </a:endParaRPr>
+              </a:p>
+            </p:txBody>
+          </p:sp>
+          <p:sp>
+            <p:nvSpPr>
+              <p:cNvPr id="38" name="TextBox 37"/>
+              <p:cNvSpPr txBox="1"/>
+              <p:nvPr/>
+            </p:nvSpPr>
+            <p:spPr>
+              <a:xfrm>
+                <a:off x="1433141" y="4177948"/>
+                <a:ext cx="386859" cy="400110"/>
+              </a:xfrm>
+              <a:prstGeom prst="rect">
+                <a:avLst/>
+              </a:prstGeom>
+              <a:noFill/>
+              <a:ln w="57150">
                 <a:solidFill>
                   <a:schemeClr val="bg1"/>
                 </a:solidFill>
-              </a:rPr>
-              <a:t>CALL ROCKET</a:t>
-            </a:r>
-            <a:endParaRPr lang="en-US" sz="2800" b="1" dirty="0">
-              <a:solidFill>
-                <a:schemeClr val="bg1"/>
-              </a:solidFill>
-            </a:endParaRPr>
-          </a:p>
-        </p:txBody>
-      </p:sp>
-      <p:sp>
-        <p:nvSpPr>
-          <p:cNvPr id="2" name="TextBox 17"/>
-          <p:cNvSpPr txBox="1"/>
-          <p:nvPr/>
-        </p:nvSpPr>
-        <p:spPr>
-          <a:xfrm>
-            <a:off x="2022228" y="5016424"/>
-            <a:ext cx="492367" cy="521970"/>
-          </a:xfrm>
-          <a:prstGeom prst="rect">
-            <a:avLst/>
-          </a:prstGeom>
-          <a:noFill/>
-          <a:ln w="57150">
-            <a:solidFill>
-              <a:schemeClr val="bg1"/>
-            </a:solidFill>
-          </a:ln>
-        </p:spPr>
-        <p:txBody>
-          <a:bodyPr wrap="square" rtlCol="0">
-            <a:spAutoFit/>
-          </a:bodyPr>
-          <a:lstStyle/>
-          <a:p>
-            <a:pPr algn="ctr"/>
-            <a:r>
-              <a:rPr lang="en-US" sz="2800" b="1" dirty="0">
+              </a:ln>
+            </p:spPr>
+            <p:txBody>
+              <a:bodyPr wrap="square" rtlCol="0">
+                <a:spAutoFit/>
+              </a:bodyPr>
+              <a:lstStyle/>
+              <a:p>
+                <a:pPr algn="ctr"/>
+                <a:r>
+                  <a:rPr lang="en-US" sz="2000" b="1" dirty="0">
+                    <a:solidFill>
+                      <a:schemeClr val="bg1"/>
+                    </a:solidFill>
+                    <a:latin typeface="Calibri" panose="020F0502020204030204" pitchFamily="34" charset="0"/>
+                    <a:ea typeface="Calibri" panose="020F0502020204030204" pitchFamily="34" charset="0"/>
+                    <a:cs typeface="Calibri" panose="020F0502020204030204" pitchFamily="34" charset="0"/>
+                  </a:rPr>
+                  <a:t>→</a:t>
+                </a:r>
+                <a:endParaRPr lang="en-US" sz="2000" b="1" dirty="0">
+                  <a:solidFill>
+                    <a:schemeClr val="bg1"/>
+                  </a:solidFill>
+                </a:endParaRPr>
+              </a:p>
+            </p:txBody>
+          </p:sp>
+          <p:sp>
+            <p:nvSpPr>
+              <p:cNvPr id="39" name="TextBox 38"/>
+              <p:cNvSpPr txBox="1"/>
+              <p:nvPr/>
+            </p:nvSpPr>
+            <p:spPr>
+              <a:xfrm>
+                <a:off x="1184759" y="4865353"/>
+                <a:ext cx="901209" cy="400110"/>
+              </a:xfrm>
+              <a:prstGeom prst="rect">
+                <a:avLst/>
+              </a:prstGeom>
+              <a:noFill/>
+              <a:ln w="57150">
                 <a:solidFill>
                   <a:schemeClr val="bg1"/>
                 </a:solidFill>
-              </a:rPr>
-              <a:t>R</a:t>
-            </a:r>
-          </a:p>
-        </p:txBody>
-      </p:sp>
-      <p:sp>
-        <p:nvSpPr>
-          <p:cNvPr id="3" name="TextBox 24"/>
-          <p:cNvSpPr txBox="1"/>
-          <p:nvPr/>
-        </p:nvSpPr>
-        <p:spPr>
-          <a:xfrm>
-            <a:off x="8092490" y="5911256"/>
-            <a:ext cx="2231779" cy="523220"/>
-          </a:xfrm>
-          <a:prstGeom prst="rect">
-            <a:avLst/>
-          </a:prstGeom>
-          <a:noFill/>
-          <a:ln w="57150">
-            <a:noFill/>
-          </a:ln>
-        </p:spPr>
-        <p:txBody>
-          <a:bodyPr wrap="square" rtlCol="0">
-            <a:spAutoFit/>
-          </a:bodyPr>
-          <a:lstStyle/>
-          <a:p>
-            <a:pPr algn="ctr"/>
-            <a:r>
-              <a:rPr lang="en-US" sz="2800" b="1" dirty="0" smtClean="0">
+              </a:ln>
+            </p:spPr>
+            <p:txBody>
+              <a:bodyPr wrap="square" rtlCol="0">
+                <a:spAutoFit/>
+              </a:bodyPr>
+              <a:lstStyle/>
+              <a:p>
+                <a:pPr algn="ctr"/>
+                <a:r>
+                  <a:rPr lang="en-US" sz="2000" b="1" smtClean="0">
+                    <a:solidFill>
+                      <a:schemeClr val="bg1"/>
+                    </a:solidFill>
+                  </a:rPr>
+                  <a:t>Num 2</a:t>
+                </a:r>
+                <a:endParaRPr lang="en-US" sz="2000" b="1" dirty="0">
+                  <a:solidFill>
+                    <a:schemeClr val="bg1"/>
+                  </a:solidFill>
+                </a:endParaRPr>
+              </a:p>
+            </p:txBody>
+          </p:sp>
+          <p:sp>
+            <p:nvSpPr>
+              <p:cNvPr id="40" name="TextBox 39"/>
+              <p:cNvSpPr txBox="1"/>
+              <p:nvPr/>
+            </p:nvSpPr>
+            <p:spPr>
+              <a:xfrm>
+                <a:off x="1167174" y="6234421"/>
+                <a:ext cx="918794" cy="400110"/>
+              </a:xfrm>
+              <a:prstGeom prst="rect">
+                <a:avLst/>
+              </a:prstGeom>
+              <a:noFill/>
+              <a:ln w="57150">
                 <a:solidFill>
                   <a:schemeClr val="bg1"/>
                 </a:solidFill>
-              </a:rPr>
-              <a:t>FIRE</a:t>
-            </a:r>
-            <a:endParaRPr lang="en-US" sz="2800" b="1" dirty="0">
-              <a:solidFill>
-                <a:schemeClr val="bg1"/>
-              </a:solidFill>
-            </a:endParaRPr>
-          </a:p>
-        </p:txBody>
-      </p:sp>
+              </a:ln>
+            </p:spPr>
+            <p:txBody>
+              <a:bodyPr wrap="square" rtlCol="0">
+                <a:spAutoFit/>
+              </a:bodyPr>
+              <a:lstStyle/>
+              <a:p>
+                <a:pPr algn="ctr"/>
+                <a:r>
+                  <a:rPr lang="en-US" sz="2000" b="1" smtClean="0">
+                    <a:solidFill>
+                      <a:schemeClr val="bg1"/>
+                    </a:solidFill>
+                  </a:rPr>
+                  <a:t>Num 1</a:t>
+                </a:r>
+                <a:endParaRPr lang="en-US" sz="2000" b="1" dirty="0">
+                  <a:solidFill>
+                    <a:schemeClr val="bg1"/>
+                  </a:solidFill>
+                </a:endParaRPr>
+              </a:p>
+            </p:txBody>
+          </p:sp>
+          <p:sp>
+            <p:nvSpPr>
+              <p:cNvPr id="41" name="TextBox 17"/>
+              <p:cNvSpPr txBox="1"/>
+              <p:nvPr/>
+            </p:nvSpPr>
+            <p:spPr>
+              <a:xfrm>
+                <a:off x="1184759" y="5552758"/>
+                <a:ext cx="901210" cy="400110"/>
+              </a:xfrm>
+              <a:prstGeom prst="rect">
+                <a:avLst/>
+              </a:prstGeom>
+              <a:noFill/>
+              <a:ln w="57150">
+                <a:solidFill>
+                  <a:schemeClr val="bg1"/>
+                </a:solidFill>
+              </a:ln>
+            </p:spPr>
+            <p:txBody>
+              <a:bodyPr wrap="square" rtlCol="0">
+                <a:spAutoFit/>
+              </a:bodyPr>
+              <a:lstStyle/>
+              <a:p>
+                <a:pPr algn="ctr"/>
+                <a:r>
+                  <a:rPr lang="en-US" sz="2000" b="1" smtClean="0">
+                    <a:solidFill>
+                      <a:schemeClr val="bg1"/>
+                    </a:solidFill>
+                  </a:rPr>
+                  <a:t>Num 3</a:t>
+                </a:r>
+                <a:endParaRPr lang="en-US" sz="2000" b="1" dirty="0">
+                  <a:solidFill>
+                    <a:schemeClr val="bg1"/>
+                  </a:solidFill>
+                </a:endParaRPr>
+              </a:p>
+            </p:txBody>
+          </p:sp>
+        </p:grpSp>
+        <p:sp>
+          <p:nvSpPr>
+            <p:cNvPr id="34" name="TextBox 33"/>
+            <p:cNvSpPr txBox="1"/>
+            <p:nvPr/>
+          </p:nvSpPr>
+          <p:spPr>
+            <a:xfrm>
+              <a:off x="855782" y="643498"/>
+              <a:ext cx="1418485" cy="523220"/>
+            </a:xfrm>
+            <a:prstGeom prst="rect">
+              <a:avLst/>
+            </a:prstGeom>
+            <a:noFill/>
+            <a:ln w="57150">
+              <a:noFill/>
+            </a:ln>
+          </p:spPr>
+          <p:txBody>
+            <a:bodyPr wrap="square" rtlCol="0">
+              <a:spAutoFit/>
+            </a:bodyPr>
+            <a:lstStyle/>
+            <a:p>
+              <a:pPr algn="ctr"/>
+              <a:r>
+                <a:rPr lang="en-US" sz="2800" b="1" smtClean="0">
+                  <a:solidFill>
+                    <a:schemeClr val="bg1"/>
+                  </a:solidFill>
+                </a:rPr>
+                <a:t>Player 2</a:t>
+              </a:r>
+              <a:endParaRPr lang="en-US" sz="2800" b="1" dirty="0">
+                <a:solidFill>
+                  <a:schemeClr val="bg1"/>
+                </a:solidFill>
+              </a:endParaRPr>
+            </a:p>
+          </p:txBody>
+        </p:sp>
+      </p:grpSp>
+      <p:grpSp>
+        <p:nvGrpSpPr>
+          <p:cNvPr id="9" name="Group 8"/>
+          <p:cNvGrpSpPr/>
+          <p:nvPr/>
+        </p:nvGrpSpPr>
+        <p:grpSpPr>
+          <a:xfrm>
+            <a:off x="7936704" y="643498"/>
+            <a:ext cx="2542076" cy="5529368"/>
+            <a:chOff x="7936704" y="643498"/>
+            <a:chExt cx="2542076" cy="5529368"/>
+          </a:xfrm>
+        </p:grpSpPr>
+        <p:sp>
+          <p:nvSpPr>
+            <p:cNvPr id="20" name="TextBox 19"/>
+            <p:cNvSpPr txBox="1"/>
+            <p:nvPr/>
+          </p:nvSpPr>
+          <p:spPr>
+            <a:xfrm>
+              <a:off x="8091855" y="1654068"/>
+              <a:ext cx="2151182" cy="400110"/>
+            </a:xfrm>
+            <a:prstGeom prst="rect">
+              <a:avLst/>
+            </a:prstGeom>
+            <a:noFill/>
+            <a:ln w="57150">
+              <a:noFill/>
+            </a:ln>
+          </p:spPr>
+          <p:txBody>
+            <a:bodyPr wrap="square" rtlCol="0">
+              <a:spAutoFit/>
+            </a:bodyPr>
+            <a:lstStyle/>
+            <a:p>
+              <a:pPr algn="ctr"/>
+              <a:r>
+                <a:rPr lang="en-US" sz="2000" b="1" dirty="0" smtClean="0">
+                  <a:solidFill>
+                    <a:schemeClr val="bg1"/>
+                  </a:solidFill>
+                </a:rPr>
+                <a:t>MOVE UP</a:t>
+              </a:r>
+              <a:endParaRPr lang="en-US" sz="2000" b="1" dirty="0">
+                <a:solidFill>
+                  <a:schemeClr val="bg1"/>
+                </a:solidFill>
+              </a:endParaRPr>
+            </a:p>
+          </p:txBody>
+        </p:sp>
+        <p:sp>
+          <p:nvSpPr>
+            <p:cNvPr id="21" name="TextBox 20"/>
+            <p:cNvSpPr txBox="1"/>
+            <p:nvPr/>
+          </p:nvSpPr>
+          <p:spPr>
+            <a:xfrm>
+              <a:off x="7936704" y="4403688"/>
+              <a:ext cx="2542076" cy="400110"/>
+            </a:xfrm>
+            <a:prstGeom prst="rect">
+              <a:avLst/>
+            </a:prstGeom>
+            <a:noFill/>
+            <a:ln w="57150">
+              <a:noFill/>
+            </a:ln>
+          </p:spPr>
+          <p:txBody>
+            <a:bodyPr wrap="square" rtlCol="0">
+              <a:spAutoFit/>
+            </a:bodyPr>
+            <a:lstStyle/>
+            <a:p>
+              <a:pPr algn="ctr"/>
+              <a:r>
+                <a:rPr lang="en-US" sz="2000" b="1" dirty="0" smtClean="0">
+                  <a:solidFill>
+                    <a:schemeClr val="bg1"/>
+                  </a:solidFill>
+                </a:rPr>
+                <a:t>SWAP WEAPON</a:t>
+              </a:r>
+              <a:endParaRPr lang="en-US" sz="2000" b="1" dirty="0">
+                <a:solidFill>
+                  <a:schemeClr val="bg1"/>
+                </a:solidFill>
+              </a:endParaRPr>
+            </a:p>
+          </p:txBody>
+        </p:sp>
+        <p:sp>
+          <p:nvSpPr>
+            <p:cNvPr id="22" name="TextBox 21"/>
+            <p:cNvSpPr txBox="1"/>
+            <p:nvPr/>
+          </p:nvSpPr>
+          <p:spPr>
+            <a:xfrm>
+              <a:off x="8051557" y="2341473"/>
+              <a:ext cx="2231779" cy="400110"/>
+            </a:xfrm>
+            <a:prstGeom prst="rect">
+              <a:avLst/>
+            </a:prstGeom>
+            <a:noFill/>
+            <a:ln w="57150">
+              <a:noFill/>
+            </a:ln>
+          </p:spPr>
+          <p:txBody>
+            <a:bodyPr wrap="square" rtlCol="0">
+              <a:spAutoFit/>
+            </a:bodyPr>
+            <a:lstStyle/>
+            <a:p>
+              <a:pPr algn="ctr"/>
+              <a:r>
+                <a:rPr lang="en-US" sz="2000" b="1" dirty="0" smtClean="0">
+                  <a:solidFill>
+                    <a:schemeClr val="bg1"/>
+                  </a:solidFill>
+                </a:rPr>
+                <a:t>MOVE DOWN</a:t>
+              </a:r>
+              <a:endParaRPr lang="en-US" sz="2000" b="1" dirty="0">
+                <a:solidFill>
+                  <a:schemeClr val="bg1"/>
+                </a:solidFill>
+              </a:endParaRPr>
+            </a:p>
+          </p:txBody>
+        </p:sp>
+        <p:sp>
+          <p:nvSpPr>
+            <p:cNvPr id="23" name="TextBox 22"/>
+            <p:cNvSpPr txBox="1"/>
+            <p:nvPr/>
+          </p:nvSpPr>
+          <p:spPr>
+            <a:xfrm>
+              <a:off x="8091853" y="3716283"/>
+              <a:ext cx="2231779" cy="400110"/>
+            </a:xfrm>
+            <a:prstGeom prst="rect">
+              <a:avLst/>
+            </a:prstGeom>
+            <a:noFill/>
+            <a:ln w="57150">
+              <a:noFill/>
+            </a:ln>
+          </p:spPr>
+          <p:txBody>
+            <a:bodyPr wrap="square" rtlCol="0">
+              <a:spAutoFit/>
+            </a:bodyPr>
+            <a:lstStyle/>
+            <a:p>
+              <a:pPr algn="ctr"/>
+              <a:r>
+                <a:rPr lang="en-US" sz="2000" b="1" dirty="0" smtClean="0">
+                  <a:solidFill>
+                    <a:schemeClr val="bg1"/>
+                  </a:solidFill>
+                </a:rPr>
+                <a:t>MOVE RIGHT</a:t>
+              </a:r>
+              <a:endParaRPr lang="en-US" sz="2000" b="1" dirty="0">
+                <a:solidFill>
+                  <a:schemeClr val="bg1"/>
+                </a:solidFill>
+              </a:endParaRPr>
+            </a:p>
+          </p:txBody>
+        </p:sp>
+        <p:sp>
+          <p:nvSpPr>
+            <p:cNvPr id="24" name="TextBox 23"/>
+            <p:cNvSpPr txBox="1"/>
+            <p:nvPr/>
+          </p:nvSpPr>
+          <p:spPr>
+            <a:xfrm>
+              <a:off x="8091853" y="3028878"/>
+              <a:ext cx="2231779" cy="400110"/>
+            </a:xfrm>
+            <a:prstGeom prst="rect">
+              <a:avLst/>
+            </a:prstGeom>
+            <a:noFill/>
+            <a:ln w="57150">
+              <a:noFill/>
+            </a:ln>
+          </p:spPr>
+          <p:txBody>
+            <a:bodyPr wrap="square" rtlCol="0">
+              <a:spAutoFit/>
+            </a:bodyPr>
+            <a:lstStyle/>
+            <a:p>
+              <a:pPr algn="ctr"/>
+              <a:r>
+                <a:rPr lang="en-US" sz="2000" b="1" dirty="0" smtClean="0">
+                  <a:solidFill>
+                    <a:schemeClr val="bg1"/>
+                  </a:solidFill>
+                </a:rPr>
+                <a:t>MOVE LEFT</a:t>
+              </a:r>
+              <a:endParaRPr lang="en-US" sz="2000" b="1" dirty="0">
+                <a:solidFill>
+                  <a:schemeClr val="bg1"/>
+                </a:solidFill>
+              </a:endParaRPr>
+            </a:p>
+          </p:txBody>
+        </p:sp>
+        <p:sp>
+          <p:nvSpPr>
+            <p:cNvPr id="25" name="TextBox 24"/>
+            <p:cNvSpPr txBox="1"/>
+            <p:nvPr/>
+          </p:nvSpPr>
+          <p:spPr>
+            <a:xfrm>
+              <a:off x="8091853" y="5091093"/>
+              <a:ext cx="2231779" cy="400110"/>
+            </a:xfrm>
+            <a:prstGeom prst="rect">
+              <a:avLst/>
+            </a:prstGeom>
+            <a:noFill/>
+            <a:ln w="57150">
+              <a:noFill/>
+            </a:ln>
+          </p:spPr>
+          <p:txBody>
+            <a:bodyPr wrap="square" rtlCol="0">
+              <a:spAutoFit/>
+            </a:bodyPr>
+            <a:lstStyle/>
+            <a:p>
+              <a:pPr algn="ctr"/>
+              <a:r>
+                <a:rPr lang="en-US" sz="2000" b="1" dirty="0" smtClean="0">
+                  <a:solidFill>
+                    <a:schemeClr val="bg1"/>
+                  </a:solidFill>
+                </a:rPr>
+                <a:t>CALL ROCKET</a:t>
+              </a:r>
+              <a:endParaRPr lang="en-US" sz="2000" b="1" dirty="0">
+                <a:solidFill>
+                  <a:schemeClr val="bg1"/>
+                </a:solidFill>
+              </a:endParaRPr>
+            </a:p>
+          </p:txBody>
+        </p:sp>
+        <p:sp>
+          <p:nvSpPr>
+            <p:cNvPr id="3" name="TextBox 24"/>
+            <p:cNvSpPr txBox="1"/>
+            <p:nvPr/>
+          </p:nvSpPr>
+          <p:spPr>
+            <a:xfrm>
+              <a:off x="8091854" y="5772756"/>
+              <a:ext cx="2231779" cy="400110"/>
+            </a:xfrm>
+            <a:prstGeom prst="rect">
+              <a:avLst/>
+            </a:prstGeom>
+            <a:noFill/>
+            <a:ln w="57150">
+              <a:noFill/>
+            </a:ln>
+          </p:spPr>
+          <p:txBody>
+            <a:bodyPr wrap="square" rtlCol="0">
+              <a:spAutoFit/>
+            </a:bodyPr>
+            <a:lstStyle/>
+            <a:p>
+              <a:pPr algn="ctr"/>
+              <a:r>
+                <a:rPr lang="en-US" sz="2000" b="1" dirty="0" smtClean="0">
+                  <a:solidFill>
+                    <a:schemeClr val="bg1"/>
+                  </a:solidFill>
+                </a:rPr>
+                <a:t>FIRE</a:t>
+              </a:r>
+              <a:endParaRPr lang="en-US" sz="2000" b="1" dirty="0">
+                <a:solidFill>
+                  <a:schemeClr val="bg1"/>
+                </a:solidFill>
+              </a:endParaRPr>
+            </a:p>
+          </p:txBody>
+        </p:sp>
+        <p:sp>
+          <p:nvSpPr>
+            <p:cNvPr id="46" name="TextBox 45"/>
+            <p:cNvSpPr txBox="1"/>
+            <p:nvPr/>
+          </p:nvSpPr>
+          <p:spPr>
+            <a:xfrm>
+              <a:off x="8091855" y="643498"/>
+              <a:ext cx="2151182" cy="523220"/>
+            </a:xfrm>
+            <a:prstGeom prst="rect">
+              <a:avLst/>
+            </a:prstGeom>
+            <a:noFill/>
+            <a:ln w="57150">
+              <a:noFill/>
+            </a:ln>
+          </p:spPr>
+          <p:txBody>
+            <a:bodyPr wrap="square" rtlCol="0">
+              <a:spAutoFit/>
+            </a:bodyPr>
+            <a:lstStyle/>
+            <a:p>
+              <a:pPr algn="ctr"/>
+              <a:r>
+                <a:rPr lang="en-US" sz="2800" b="1" smtClean="0">
+                  <a:solidFill>
+                    <a:schemeClr val="bg1"/>
+                  </a:solidFill>
+                </a:rPr>
+                <a:t>Actions</a:t>
+              </a:r>
+              <a:endParaRPr lang="en-US" sz="2800" b="1" dirty="0">
+                <a:solidFill>
+                  <a:schemeClr val="bg1"/>
+                </a:solidFill>
+              </a:endParaRPr>
+            </a:p>
+          </p:txBody>
+        </p:sp>
+      </p:grpSp>
     </p:spTree>
   </p:cSld>
   <p:clrMapOvr>
